--- a/Presentations/Presentation2.pptx
+++ b/Presentations/Presentation2.pptx
@@ -6374,12 +6374,9 @@
           </a:bodyPr>
           <a:lstStyle/>
           <a:p>
-            <a:pPr indent="-228600" algn="l">
-              <a:buFont typeface="Arial" panose="020B0604020202020204" pitchFamily="34" charset="0"/>
-              <a:buChar char="•"/>
-            </a:pPr>
+            <a:pPr algn="l"/>
             <a:r>
-              <a:rPr lang="en-US">
+              <a:rPr lang="en-US" dirty="0">
                 <a:solidFill>
                   <a:srgbClr val="000000"/>
                 </a:solidFill>
@@ -6393,12 +6390,20 @@
               <a:buChar char="•"/>
             </a:pPr>
             <a:r>
-              <a:rPr lang="en-US">
+              <a:rPr lang="en-US" dirty="0" err="1">
                 <a:solidFill>
                   <a:srgbClr val="000000"/>
                 </a:solidFill>
               </a:rPr>
-              <a:t>Prof.Dr.ir. Wil van der Aalst</a:t>
+              <a:t>Prof.Dr.ir</a:t>
+            </a:r>
+            <a:r>
+              <a:rPr lang="en-US" dirty="0">
+                <a:solidFill>
+                  <a:srgbClr val="000000"/>
+                </a:solidFill>
+              </a:rPr>
+              <a:t>. Wil van der Aalst</a:t>
             </a:r>
           </a:p>
           <a:p>
@@ -6406,19 +6411,16 @@
               <a:buFont typeface="Arial" panose="020B0604020202020204" pitchFamily="34" charset="0"/>
               <a:buChar char="•"/>
             </a:pPr>
-            <a:endParaRPr lang="en-US">
+            <a:endParaRPr lang="en-US" dirty="0">
               <a:solidFill>
                 <a:srgbClr val="000000"/>
               </a:solidFill>
             </a:endParaRPr>
           </a:p>
           <a:p>
-            <a:pPr indent="-228600" algn="l">
-              <a:buFont typeface="Arial" panose="020B0604020202020204" pitchFamily="34" charset="0"/>
-              <a:buChar char="•"/>
-            </a:pPr>
+            <a:pPr algn="l"/>
             <a:r>
-              <a:rPr lang="en-US">
+              <a:rPr lang="en-US" dirty="0">
                 <a:solidFill>
                   <a:srgbClr val="000000"/>
                 </a:solidFill>
@@ -6432,12 +6434,36 @@
               <a:buChar char="•"/>
             </a:pPr>
             <a:r>
-              <a:rPr lang="en-US" sz="2400">
+              <a:rPr lang="en-US" sz="2400" dirty="0" err="1">
                 <a:solidFill>
                   <a:srgbClr val="000000"/>
                 </a:solidFill>
               </a:rPr>
-              <a:t>Mahsa Pourbafrani MSc</a:t>
+              <a:t>Mahsa</a:t>
+            </a:r>
+            <a:r>
+              <a:rPr lang="en-US" sz="2400" dirty="0">
+                <a:solidFill>
+                  <a:srgbClr val="000000"/>
+                </a:solidFill>
+              </a:rPr>
+              <a:t> </a:t>
+            </a:r>
+            <a:r>
+              <a:rPr lang="en-US" sz="2400" dirty="0" err="1">
+                <a:solidFill>
+                  <a:srgbClr val="000000"/>
+                </a:solidFill>
+              </a:rPr>
+              <a:t>Pourbafrani</a:t>
+            </a:r>
+            <a:r>
+              <a:rPr lang="en-US" sz="2400" dirty="0">
+                <a:solidFill>
+                  <a:srgbClr val="000000"/>
+                </a:solidFill>
+              </a:rPr>
+              <a:t> MSc</a:t>
             </a:r>
           </a:p>
           <a:p>
@@ -6446,12 +6472,28 @@
               <a:buChar char="•"/>
             </a:pPr>
             <a:r>
-              <a:rPr lang="en-US" sz="2400">
+              <a:rPr lang="en-US" sz="2400" dirty="0">
                 <a:solidFill>
                   <a:srgbClr val="000000"/>
                 </a:solidFill>
               </a:rPr>
-              <a:t>Marco Schopen MSc</a:t>
+              <a:t>Marco </a:t>
+            </a:r>
+            <a:r>
+              <a:rPr lang="en-US" sz="2400" dirty="0" err="1">
+                <a:solidFill>
+                  <a:srgbClr val="000000"/>
+                </a:solidFill>
+              </a:rPr>
+              <a:t>Schopen</a:t>
+            </a:r>
+            <a:r>
+              <a:rPr lang="en-US" sz="2400" dirty="0">
+                <a:solidFill>
+                  <a:srgbClr val="000000"/>
+                </a:solidFill>
+              </a:rPr>
+              <a:t> MSc</a:t>
             </a:r>
           </a:p>
           <a:p>
@@ -6459,7 +6501,7 @@
               <a:buFont typeface="Arial" panose="020B0604020202020204" pitchFamily="34" charset="0"/>
               <a:buChar char="•"/>
             </a:pPr>
-            <a:endParaRPr lang="en-US">
+            <a:endParaRPr lang="en-US" dirty="0">
               <a:solidFill>
                 <a:srgbClr val="000000"/>
               </a:solidFill>
@@ -11107,6 +11149,10 @@
           <a:bodyPr/>
           <a:lstStyle/>
           <a:p>
+            <a:r>
+              <a:rPr lang="en-US" dirty="0" err="1"/>
+              <a:t>Github</a:t>
+            </a:r>
             <a:endParaRPr lang="en-US" dirty="0"/>
           </a:p>
         </p:txBody>
@@ -11132,7 +11178,7 @@
           <a:bodyPr/>
           <a:lstStyle/>
           <a:p>
-            <a:endParaRPr lang="en-US"/>
+            <a:endParaRPr lang="en-US" dirty="0"/>
           </a:p>
         </p:txBody>
       </p:sp>
